--- a/16.Entropy Balance.pptx
+++ b/16.Entropy Balance.pptx
@@ -17022,7 +17022,7 @@
               <a:rPr lang="en-US" kern="0" dirty="0">
                 <a:hlinkClick r:id="rId3"/>
               </a:rPr>
-              <a:t>Example 2</a:t>
+              <a:t>Solution</a:t>
             </a:r>
             <a:endParaRPr lang="en-US" kern="0" dirty="0">
               <a:latin typeface="Arial"/>
@@ -17364,7 +17364,7 @@
               <a:rPr lang="en-US" kern="0" dirty="0">
                 <a:hlinkClick r:id="rId3"/>
               </a:rPr>
-              <a:t>Example 3</a:t>
+              <a:t>Solution</a:t>
             </a:r>
             <a:endParaRPr lang="en-US" kern="0" dirty="0">
               <a:latin typeface="Arial"/>
@@ -17744,13 +17744,7 @@
               <a:rPr lang="en-US" kern="0" dirty="0">
                 <a:hlinkClick r:id="rId3"/>
               </a:rPr>
-              <a:t>Example </a:t>
-            </a:r>
-            <a:r>
-              <a:rPr lang="en-US" dirty="0">
-                <a:hlinkClick r:id="rId3"/>
-              </a:rPr>
-              <a:t>4</a:t>
+              <a:t>Solution</a:t>
             </a:r>
             <a:endParaRPr lang="en-US" kern="0" dirty="0">
               <a:latin typeface="Arial"/>
@@ -18108,7 +18102,7 @@
               <a:rPr lang="en-US" kern="0" dirty="0">
                 <a:hlinkClick r:id="rId3"/>
               </a:rPr>
-              <a:t>Example 5</a:t>
+              <a:t>Solution</a:t>
             </a:r>
             <a:endParaRPr lang="en-US" kern="0" dirty="0">
               <a:latin typeface="Arial"/>
@@ -21074,7 +21068,7 @@
               <a:rPr lang="en-US" kern="0" dirty="0">
                 <a:hlinkClick r:id="rId3"/>
               </a:rPr>
-              <a:t>Example 1</a:t>
+              <a:t>Solution</a:t>
             </a:r>
             <a:endParaRPr lang="en-US" kern="0" dirty="0">
               <a:latin typeface="Arial"/>

--- a/16.Entropy Balance.pptx
+++ b/16.Entropy Balance.pptx
@@ -17885,7 +17885,7 @@
             </a:r>
             <a:r>
               <a:rPr lang="en-US" dirty="0"/>
-              <a:t>C. As a result, part of the vapor condenses . Determine the entropy change of the water and the entropy generation during the heat transfer process.</a:t>
+              <a:t>C. As a result, part of the vapor condenses. Determine the entropy change of the water and the entropy generation during the heat transfer process.</a:t>
             </a:r>
           </a:p>
         </p:txBody>
